--- a/Documentation/Image_Overview.pptx
+++ b/Documentation/Image_Overview.pptx
@@ -6,6 +6,7 @@
   </p:sldMasterIdLst>
   <p:sldIdLst>
     <p:sldId id="256" r:id="rId2"/>
+    <p:sldId id="257" r:id="rId3"/>
   </p:sldIdLst>
   <p:sldSz cx="9144000" cy="6858000" type="screen4x3"/>
   <p:notesSz cx="6858000" cy="9144000"/>
@@ -288,7 +289,7 @@
           <a:p>
             <a:fld id="{CBD1765D-7B8F-714C-B7BB-CBD63CFB9141}" type="datetimeFigureOut">
               <a:rPr lang="en-US" smtClean="0"/>
-              <a:t>24/09/2013</a:t>
+              <a:t>25/09/2013</a:t>
             </a:fld>
             <a:endParaRPr lang="en-US"/>
           </a:p>
@@ -458,7 +459,7 @@
           <a:p>
             <a:fld id="{CBD1765D-7B8F-714C-B7BB-CBD63CFB9141}" type="datetimeFigureOut">
               <a:rPr lang="en-US" smtClean="0"/>
-              <a:t>24/09/2013</a:t>
+              <a:t>25/09/2013</a:t>
             </a:fld>
             <a:endParaRPr lang="en-US"/>
           </a:p>
@@ -638,7 +639,7 @@
           <a:p>
             <a:fld id="{CBD1765D-7B8F-714C-B7BB-CBD63CFB9141}" type="datetimeFigureOut">
               <a:rPr lang="en-US" smtClean="0"/>
-              <a:t>24/09/2013</a:t>
+              <a:t>25/09/2013</a:t>
             </a:fld>
             <a:endParaRPr lang="en-US"/>
           </a:p>
@@ -808,7 +809,7 @@
           <a:p>
             <a:fld id="{CBD1765D-7B8F-714C-B7BB-CBD63CFB9141}" type="datetimeFigureOut">
               <a:rPr lang="en-US" smtClean="0"/>
-              <a:t>24/09/2013</a:t>
+              <a:t>25/09/2013</a:t>
             </a:fld>
             <a:endParaRPr lang="en-US"/>
           </a:p>
@@ -1054,7 +1055,7 @@
           <a:p>
             <a:fld id="{CBD1765D-7B8F-714C-B7BB-CBD63CFB9141}" type="datetimeFigureOut">
               <a:rPr lang="en-US" smtClean="0"/>
-              <a:t>24/09/2013</a:t>
+              <a:t>25/09/2013</a:t>
             </a:fld>
             <a:endParaRPr lang="en-US"/>
           </a:p>
@@ -1342,7 +1343,7 @@
           <a:p>
             <a:fld id="{CBD1765D-7B8F-714C-B7BB-CBD63CFB9141}" type="datetimeFigureOut">
               <a:rPr lang="en-US" smtClean="0"/>
-              <a:t>24/09/2013</a:t>
+              <a:t>25/09/2013</a:t>
             </a:fld>
             <a:endParaRPr lang="en-US"/>
           </a:p>
@@ -1764,7 +1765,7 @@
           <a:p>
             <a:fld id="{CBD1765D-7B8F-714C-B7BB-CBD63CFB9141}" type="datetimeFigureOut">
               <a:rPr lang="en-US" smtClean="0"/>
-              <a:t>24/09/2013</a:t>
+              <a:t>25/09/2013</a:t>
             </a:fld>
             <a:endParaRPr lang="en-US"/>
           </a:p>
@@ -1882,7 +1883,7 @@
           <a:p>
             <a:fld id="{CBD1765D-7B8F-714C-B7BB-CBD63CFB9141}" type="datetimeFigureOut">
               <a:rPr lang="en-US" smtClean="0"/>
-              <a:t>24/09/2013</a:t>
+              <a:t>25/09/2013</a:t>
             </a:fld>
             <a:endParaRPr lang="en-US"/>
           </a:p>
@@ -1977,7 +1978,7 @@
           <a:p>
             <a:fld id="{CBD1765D-7B8F-714C-B7BB-CBD63CFB9141}" type="datetimeFigureOut">
               <a:rPr lang="en-US" smtClean="0"/>
-              <a:t>24/09/2013</a:t>
+              <a:t>25/09/2013</a:t>
             </a:fld>
             <a:endParaRPr lang="en-US"/>
           </a:p>
@@ -2254,7 +2255,7 @@
           <a:p>
             <a:fld id="{CBD1765D-7B8F-714C-B7BB-CBD63CFB9141}" type="datetimeFigureOut">
               <a:rPr lang="en-US" smtClean="0"/>
-              <a:t>24/09/2013</a:t>
+              <a:t>25/09/2013</a:t>
             </a:fld>
             <a:endParaRPr lang="en-US"/>
           </a:p>
@@ -2507,7 +2508,7 @@
           <a:p>
             <a:fld id="{CBD1765D-7B8F-714C-B7BB-CBD63CFB9141}" type="datetimeFigureOut">
               <a:rPr lang="en-US" smtClean="0"/>
-              <a:t>24/09/2013</a:t>
+              <a:t>25/09/2013</a:t>
             </a:fld>
             <a:endParaRPr lang="en-US"/>
           </a:p>
@@ -2720,7 +2721,7 @@
           <a:p>
             <a:fld id="{CBD1765D-7B8F-714C-B7BB-CBD63CFB9141}" type="datetimeFigureOut">
               <a:rPr lang="en-US" smtClean="0"/>
-              <a:t>24/09/2013</a:t>
+              <a:t>25/09/2013</a:t>
             </a:fld>
             <a:endParaRPr lang="en-US"/>
           </a:p>
@@ -3658,6 +3659,1250 @@
     <p:extLst>
       <p:ext uri="{BB962C8B-B14F-4D97-AF65-F5344CB8AC3E}">
         <p14:creationId xmlns:p14="http://schemas.microsoft.com/office/powerpoint/2010/main" val="2861002900"/>
+      </p:ext>
+    </p:extLst>
+  </p:cSld>
+  <p:clrMapOvr>
+    <a:masterClrMapping/>
+  </p:clrMapOvr>
+</p:sld>
+</file>
+
+<file path=ppt/slides/slide2.xml><?xml version="1.0" encoding="utf-8"?>
+<p:sld xmlns:a="http://schemas.openxmlformats.org/drawingml/2006/main" xmlns:r="http://schemas.openxmlformats.org/officeDocument/2006/relationships" xmlns:p="http://schemas.openxmlformats.org/presentationml/2006/main">
+  <p:cSld>
+    <p:spTree>
+      <p:nvGrpSpPr>
+        <p:cNvPr id="1" name=""/>
+        <p:cNvGrpSpPr/>
+        <p:nvPr/>
+      </p:nvGrpSpPr>
+      <p:grpSpPr>
+        <a:xfrm>
+          <a:off x="0" y="0"/>
+          <a:ext cx="0" cy="0"/>
+          <a:chOff x="0" y="0"/>
+          <a:chExt cx="0" cy="0"/>
+        </a:xfrm>
+      </p:grpSpPr>
+      <p:sp>
+        <p:nvSpPr>
+          <p:cNvPr id="19" name="Rectangle 18"/>
+          <p:cNvSpPr/>
+          <p:nvPr/>
+        </p:nvSpPr>
+        <p:spPr>
+          <a:xfrm>
+            <a:off x="823292" y="2291564"/>
+            <a:ext cx="6086467" cy="4210626"/>
+          </a:xfrm>
+          <a:prstGeom prst="rect">
+            <a:avLst/>
+          </a:prstGeom>
+          <a:ln>
+            <a:solidFill>
+              <a:schemeClr val="bg1">
+                <a:lumMod val="85000"/>
+              </a:schemeClr>
+            </a:solidFill>
+          </a:ln>
+        </p:spPr>
+        <p:style>
+          <a:lnRef idx="2">
+            <a:schemeClr val="dk1"/>
+          </a:lnRef>
+          <a:fillRef idx="1">
+            <a:schemeClr val="lt1"/>
+          </a:fillRef>
+          <a:effectRef idx="0">
+            <a:schemeClr val="dk1"/>
+          </a:effectRef>
+          <a:fontRef idx="minor">
+            <a:schemeClr val="dk1"/>
+          </a:fontRef>
+        </p:style>
+        <p:txBody>
+          <a:bodyPr rtlCol="0" anchor="ctr"/>
+          <a:lstStyle/>
+          <a:p>
+            <a:pPr algn="ctr"/>
+            <a:endParaRPr lang="en-US"/>
+          </a:p>
+        </p:txBody>
+      </p:sp>
+      <p:sp>
+        <p:nvSpPr>
+          <p:cNvPr id="18" name="Rectangle 17"/>
+          <p:cNvSpPr/>
+          <p:nvPr/>
+        </p:nvSpPr>
+        <p:spPr>
+          <a:xfrm>
+            <a:off x="670892" y="2139164"/>
+            <a:ext cx="6086467" cy="4210626"/>
+          </a:xfrm>
+          <a:prstGeom prst="rect">
+            <a:avLst/>
+          </a:prstGeom>
+          <a:ln>
+            <a:solidFill>
+              <a:schemeClr val="bg1">
+                <a:lumMod val="65000"/>
+              </a:schemeClr>
+            </a:solidFill>
+          </a:ln>
+        </p:spPr>
+        <p:style>
+          <a:lnRef idx="2">
+            <a:schemeClr val="dk1"/>
+          </a:lnRef>
+          <a:fillRef idx="1">
+            <a:schemeClr val="lt1"/>
+          </a:fillRef>
+          <a:effectRef idx="0">
+            <a:schemeClr val="dk1"/>
+          </a:effectRef>
+          <a:fontRef idx="minor">
+            <a:schemeClr val="dk1"/>
+          </a:fontRef>
+        </p:style>
+        <p:txBody>
+          <a:bodyPr rtlCol="0" anchor="ctr"/>
+          <a:lstStyle/>
+          <a:p>
+            <a:pPr algn="ctr"/>
+            <a:endParaRPr lang="en-US"/>
+          </a:p>
+        </p:txBody>
+      </p:sp>
+      <p:sp>
+        <p:nvSpPr>
+          <p:cNvPr id="6" name="Rectangle 5"/>
+          <p:cNvSpPr/>
+          <p:nvPr/>
+        </p:nvSpPr>
+        <p:spPr>
+          <a:xfrm>
+            <a:off x="518492" y="1986764"/>
+            <a:ext cx="6086467" cy="4210626"/>
+          </a:xfrm>
+          <a:prstGeom prst="rect">
+            <a:avLst/>
+          </a:prstGeom>
+          <a:ln>
+            <a:solidFill>
+              <a:schemeClr val="tx1">
+                <a:lumMod val="50000"/>
+                <a:lumOff val="50000"/>
+              </a:schemeClr>
+            </a:solidFill>
+          </a:ln>
+        </p:spPr>
+        <p:style>
+          <a:lnRef idx="2">
+            <a:schemeClr val="dk1"/>
+          </a:lnRef>
+          <a:fillRef idx="1">
+            <a:schemeClr val="lt1"/>
+          </a:fillRef>
+          <a:effectRef idx="0">
+            <a:schemeClr val="dk1"/>
+          </a:effectRef>
+          <a:fontRef idx="minor">
+            <a:schemeClr val="dk1"/>
+          </a:fontRef>
+        </p:style>
+        <p:txBody>
+          <a:bodyPr rtlCol="0" anchor="ctr"/>
+          <a:lstStyle/>
+          <a:p>
+            <a:pPr algn="ctr"/>
+            <a:endParaRPr lang="en-US"/>
+          </a:p>
+        </p:txBody>
+      </p:sp>
+      <p:sp>
+        <p:nvSpPr>
+          <p:cNvPr id="4" name="Rectangle 3"/>
+          <p:cNvSpPr/>
+          <p:nvPr/>
+        </p:nvSpPr>
+        <p:spPr>
+          <a:xfrm>
+            <a:off x="366092" y="1880082"/>
+            <a:ext cx="6086467" cy="4126925"/>
+          </a:xfrm>
+          <a:prstGeom prst="rect">
+            <a:avLst/>
+          </a:prstGeom>
+        </p:spPr>
+        <p:style>
+          <a:lnRef idx="2">
+            <a:schemeClr val="dk1"/>
+          </a:lnRef>
+          <a:fillRef idx="1">
+            <a:schemeClr val="lt1"/>
+          </a:fillRef>
+          <a:effectRef idx="0">
+            <a:schemeClr val="dk1"/>
+          </a:effectRef>
+          <a:fontRef idx="minor">
+            <a:schemeClr val="dk1"/>
+          </a:fontRef>
+        </p:style>
+        <p:txBody>
+          <a:bodyPr rtlCol="0" anchor="ctr"/>
+          <a:lstStyle/>
+          <a:p>
+            <a:pPr algn="ctr"/>
+            <a:endParaRPr lang="en-US"/>
+          </a:p>
+        </p:txBody>
+      </p:sp>
+      <p:sp>
+        <p:nvSpPr>
+          <p:cNvPr id="5" name="Rectangle 4"/>
+          <p:cNvSpPr/>
+          <p:nvPr/>
+        </p:nvSpPr>
+        <p:spPr>
+          <a:xfrm>
+            <a:off x="366092" y="1041216"/>
+            <a:ext cx="6086467" cy="838866"/>
+          </a:xfrm>
+          <a:prstGeom prst="rect">
+            <a:avLst/>
+          </a:prstGeom>
+          <a:gradFill flip="none" rotWithShape="1">
+            <a:gsLst>
+              <a:gs pos="0">
+                <a:schemeClr val="bg1">
+                  <a:lumMod val="85000"/>
+                </a:schemeClr>
+              </a:gs>
+              <a:gs pos="100000">
+                <a:schemeClr val="bg1">
+                  <a:lumMod val="85000"/>
+                </a:schemeClr>
+              </a:gs>
+              <a:gs pos="52000">
+                <a:schemeClr val="bg1">
+                  <a:lumMod val="95000"/>
+                </a:schemeClr>
+              </a:gs>
+            </a:gsLst>
+            <a:lin ang="16200000" scaled="0"/>
+            <a:tileRect/>
+          </a:gradFill>
+        </p:spPr>
+        <p:style>
+          <a:lnRef idx="2">
+            <a:schemeClr val="dk1"/>
+          </a:lnRef>
+          <a:fillRef idx="1">
+            <a:schemeClr val="lt1"/>
+          </a:fillRef>
+          <a:effectRef idx="0">
+            <a:schemeClr val="dk1"/>
+          </a:effectRef>
+          <a:fontRef idx="minor">
+            <a:schemeClr val="dk1"/>
+          </a:fontRef>
+        </p:style>
+        <p:txBody>
+          <a:bodyPr rtlCol="0" anchor="ctr"/>
+          <a:lstStyle/>
+          <a:p>
+            <a:pPr algn="ctr"/>
+            <a:endParaRPr lang="en-US"/>
+          </a:p>
+        </p:txBody>
+      </p:sp>
+      <p:sp>
+        <p:nvSpPr>
+          <p:cNvPr id="7" name="Rectangle 6"/>
+          <p:cNvSpPr/>
+          <p:nvPr/>
+        </p:nvSpPr>
+        <p:spPr>
+          <a:xfrm>
+            <a:off x="366093" y="1880082"/>
+            <a:ext cx="1990686" cy="4126925"/>
+          </a:xfrm>
+          <a:prstGeom prst="rect">
+            <a:avLst/>
+          </a:prstGeom>
+        </p:spPr>
+        <p:style>
+          <a:lnRef idx="2">
+            <a:schemeClr val="dk1"/>
+          </a:lnRef>
+          <a:fillRef idx="1">
+            <a:schemeClr val="lt1"/>
+          </a:fillRef>
+          <a:effectRef idx="0">
+            <a:schemeClr val="dk1"/>
+          </a:effectRef>
+          <a:fontRef idx="minor">
+            <a:schemeClr val="dk1"/>
+          </a:fontRef>
+        </p:style>
+        <p:txBody>
+          <a:bodyPr rtlCol="0" anchor="ctr"/>
+          <a:lstStyle/>
+          <a:p>
+            <a:pPr algn="ctr"/>
+            <a:endParaRPr lang="en-US"/>
+          </a:p>
+        </p:txBody>
+      </p:sp>
+      <p:sp>
+        <p:nvSpPr>
+          <p:cNvPr id="8" name="Rectangle 7"/>
+          <p:cNvSpPr/>
+          <p:nvPr/>
+        </p:nvSpPr>
+        <p:spPr>
+          <a:xfrm>
+            <a:off x="2356779" y="1887344"/>
+            <a:ext cx="4095780" cy="1659649"/>
+          </a:xfrm>
+          <a:prstGeom prst="rect">
+            <a:avLst/>
+          </a:prstGeom>
+        </p:spPr>
+        <p:style>
+          <a:lnRef idx="2">
+            <a:schemeClr val="dk1"/>
+          </a:lnRef>
+          <a:fillRef idx="1">
+            <a:schemeClr val="lt1"/>
+          </a:fillRef>
+          <a:effectRef idx="0">
+            <a:schemeClr val="dk1"/>
+          </a:effectRef>
+          <a:fontRef idx="minor">
+            <a:schemeClr val="dk1"/>
+          </a:fontRef>
+        </p:style>
+        <p:txBody>
+          <a:bodyPr rtlCol="0" anchor="ctr"/>
+          <a:lstStyle/>
+          <a:p>
+            <a:pPr algn="ctr"/>
+            <a:endParaRPr lang="en-US"/>
+          </a:p>
+        </p:txBody>
+      </p:sp>
+      <p:sp>
+        <p:nvSpPr>
+          <p:cNvPr id="9" name="Rectangle 8"/>
+          <p:cNvSpPr/>
+          <p:nvPr/>
+        </p:nvSpPr>
+        <p:spPr>
+          <a:xfrm>
+            <a:off x="2356779" y="3546994"/>
+            <a:ext cx="4095780" cy="1186353"/>
+          </a:xfrm>
+          <a:prstGeom prst="rect">
+            <a:avLst/>
+          </a:prstGeom>
+        </p:spPr>
+        <p:style>
+          <a:lnRef idx="2">
+            <a:schemeClr val="dk1"/>
+          </a:lnRef>
+          <a:fillRef idx="1">
+            <a:schemeClr val="lt1"/>
+          </a:fillRef>
+          <a:effectRef idx="0">
+            <a:schemeClr val="dk1"/>
+          </a:effectRef>
+          <a:fontRef idx="minor">
+            <a:schemeClr val="dk1"/>
+          </a:fontRef>
+        </p:style>
+        <p:txBody>
+          <a:bodyPr rtlCol="0" anchor="ctr"/>
+          <a:lstStyle/>
+          <a:p>
+            <a:pPr algn="ctr"/>
+            <a:endParaRPr lang="en-US"/>
+          </a:p>
+        </p:txBody>
+      </p:sp>
+      <p:sp>
+        <p:nvSpPr>
+          <p:cNvPr id="10" name="Rectangle 9"/>
+          <p:cNvSpPr/>
+          <p:nvPr/>
+        </p:nvSpPr>
+        <p:spPr>
+          <a:xfrm>
+            <a:off x="2356779" y="4733347"/>
+            <a:ext cx="4095780" cy="1273659"/>
+          </a:xfrm>
+          <a:prstGeom prst="rect">
+            <a:avLst/>
+          </a:prstGeom>
+        </p:spPr>
+        <p:style>
+          <a:lnRef idx="2">
+            <a:schemeClr val="dk1"/>
+          </a:lnRef>
+          <a:fillRef idx="1">
+            <a:schemeClr val="lt1"/>
+          </a:fillRef>
+          <a:effectRef idx="0">
+            <a:schemeClr val="dk1"/>
+          </a:effectRef>
+          <a:fontRef idx="minor">
+            <a:schemeClr val="dk1"/>
+          </a:fontRef>
+        </p:style>
+        <p:txBody>
+          <a:bodyPr rtlCol="0" anchor="ctr"/>
+          <a:lstStyle/>
+          <a:p>
+            <a:pPr algn="ctr"/>
+            <a:endParaRPr lang="en-US" dirty="0"/>
+          </a:p>
+        </p:txBody>
+      </p:sp>
+      <p:sp>
+        <p:nvSpPr>
+          <p:cNvPr id="11" name="Rounded Rectangle 10"/>
+          <p:cNvSpPr/>
+          <p:nvPr/>
+        </p:nvSpPr>
+        <p:spPr>
+          <a:xfrm>
+            <a:off x="2356779" y="1890951"/>
+            <a:ext cx="914400" cy="286048"/>
+          </a:xfrm>
+          <a:prstGeom prst="roundRect">
+            <a:avLst/>
+          </a:prstGeom>
+        </p:spPr>
+        <p:style>
+          <a:lnRef idx="1">
+            <a:schemeClr val="dk1"/>
+          </a:lnRef>
+          <a:fillRef idx="2">
+            <a:schemeClr val="dk1"/>
+          </a:fillRef>
+          <a:effectRef idx="1">
+            <a:schemeClr val="dk1"/>
+          </a:effectRef>
+          <a:fontRef idx="minor">
+            <a:schemeClr val="dk1"/>
+          </a:fontRef>
+        </p:style>
+        <p:txBody>
+          <a:bodyPr rtlCol="0" anchor="ctr"/>
+          <a:lstStyle/>
+          <a:p>
+            <a:pPr algn="ctr"/>
+            <a:r>
+              <a:rPr lang="en-US" sz="1400" dirty="0" smtClean="0"/>
+              <a:t>Tab 1</a:t>
+            </a:r>
+            <a:endParaRPr lang="en-US" sz="1400" dirty="0"/>
+          </a:p>
+        </p:txBody>
+      </p:sp>
+      <p:sp>
+        <p:nvSpPr>
+          <p:cNvPr id="12" name="Rounded Rectangle 11"/>
+          <p:cNvSpPr/>
+          <p:nvPr/>
+        </p:nvSpPr>
+        <p:spPr>
+          <a:xfrm>
+            <a:off x="3271179" y="1887344"/>
+            <a:ext cx="914400" cy="286048"/>
+          </a:xfrm>
+          <a:prstGeom prst="roundRect">
+            <a:avLst/>
+          </a:prstGeom>
+        </p:spPr>
+        <p:style>
+          <a:lnRef idx="1">
+            <a:schemeClr val="dk1"/>
+          </a:lnRef>
+          <a:fillRef idx="2">
+            <a:schemeClr val="dk1"/>
+          </a:fillRef>
+          <a:effectRef idx="1">
+            <a:schemeClr val="dk1"/>
+          </a:effectRef>
+          <a:fontRef idx="minor">
+            <a:schemeClr val="dk1"/>
+          </a:fontRef>
+        </p:style>
+        <p:txBody>
+          <a:bodyPr rtlCol="0" anchor="ctr"/>
+          <a:lstStyle/>
+          <a:p>
+            <a:pPr algn="ctr"/>
+            <a:r>
+              <a:rPr lang="en-US" sz="1400" dirty="0" smtClean="0"/>
+              <a:t>Tab 2</a:t>
+            </a:r>
+            <a:endParaRPr lang="en-US" sz="1400" dirty="0"/>
+          </a:p>
+        </p:txBody>
+      </p:sp>
+      <p:sp>
+        <p:nvSpPr>
+          <p:cNvPr id="13" name="Rectangle 12"/>
+          <p:cNvSpPr/>
+          <p:nvPr/>
+        </p:nvSpPr>
+        <p:spPr>
+          <a:xfrm>
+            <a:off x="2356779" y="2173392"/>
+            <a:ext cx="4095780" cy="1366339"/>
+          </a:xfrm>
+          <a:prstGeom prst="rect">
+            <a:avLst/>
+          </a:prstGeom>
+        </p:spPr>
+        <p:style>
+          <a:lnRef idx="2">
+            <a:schemeClr val="dk1"/>
+          </a:lnRef>
+          <a:fillRef idx="1">
+            <a:schemeClr val="lt1"/>
+          </a:fillRef>
+          <a:effectRef idx="0">
+            <a:schemeClr val="dk1"/>
+          </a:effectRef>
+          <a:fontRef idx="minor">
+            <a:schemeClr val="dk1"/>
+          </a:fontRef>
+        </p:style>
+        <p:txBody>
+          <a:bodyPr rtlCol="0" anchor="ctr"/>
+          <a:lstStyle/>
+          <a:p>
+            <a:pPr algn="ctr"/>
+            <a:endParaRPr lang="en-US"/>
+          </a:p>
+        </p:txBody>
+      </p:sp>
+      <p:sp>
+        <p:nvSpPr>
+          <p:cNvPr id="14" name="TextBox 13"/>
+          <p:cNvSpPr txBox="1"/>
+          <p:nvPr/>
+        </p:nvSpPr>
+        <p:spPr>
+          <a:xfrm>
+            <a:off x="518492" y="1281495"/>
+            <a:ext cx="2647517" cy="369332"/>
+          </a:xfrm>
+          <a:prstGeom prst="rect">
+            <a:avLst/>
+          </a:prstGeom>
+          <a:noFill/>
+        </p:spPr>
+        <p:txBody>
+          <a:bodyPr wrap="none" rtlCol="0">
+            <a:spAutoFit/>
+          </a:bodyPr>
+          <a:lstStyle/>
+          <a:p>
+            <a:r>
+              <a:rPr lang="en-US" dirty="0" smtClean="0"/>
+              <a:t>Logo, app title &amp; view title</a:t>
+            </a:r>
+            <a:endParaRPr lang="en-US" dirty="0"/>
+          </a:p>
+        </p:txBody>
+      </p:sp>
+      <p:sp>
+        <p:nvSpPr>
+          <p:cNvPr id="15" name="TextBox 14"/>
+          <p:cNvSpPr txBox="1"/>
+          <p:nvPr/>
+        </p:nvSpPr>
+        <p:spPr>
+          <a:xfrm>
+            <a:off x="4423436" y="1273708"/>
+            <a:ext cx="1967205" cy="369332"/>
+          </a:xfrm>
+          <a:prstGeom prst="rect">
+            <a:avLst/>
+          </a:prstGeom>
+          <a:noFill/>
+        </p:spPr>
+        <p:txBody>
+          <a:bodyPr wrap="none" rtlCol="0">
+            <a:spAutoFit/>
+          </a:bodyPr>
+          <a:lstStyle/>
+          <a:p>
+            <a:r>
+              <a:rPr lang="en-US" dirty="0" smtClean="0"/>
+              <a:t>Navigation buttons</a:t>
+            </a:r>
+            <a:endParaRPr lang="en-US" dirty="0"/>
+          </a:p>
+        </p:txBody>
+      </p:sp>
+      <p:sp>
+        <p:nvSpPr>
+          <p:cNvPr id="16" name="Right Brace 15"/>
+          <p:cNvSpPr/>
+          <p:nvPr/>
+        </p:nvSpPr>
+        <p:spPr>
+          <a:xfrm>
+            <a:off x="6604959" y="1041216"/>
+            <a:ext cx="305228" cy="838866"/>
+          </a:xfrm>
+          <a:prstGeom prst="rightBrace">
+            <a:avLst/>
+          </a:prstGeom>
+        </p:spPr>
+        <p:style>
+          <a:lnRef idx="3">
+            <a:schemeClr val="accent1"/>
+          </a:lnRef>
+          <a:fillRef idx="0">
+            <a:schemeClr val="accent1"/>
+          </a:fillRef>
+          <a:effectRef idx="2">
+            <a:schemeClr val="accent1"/>
+          </a:effectRef>
+          <a:fontRef idx="minor">
+            <a:schemeClr val="tx1"/>
+          </a:fontRef>
+        </p:style>
+        <p:txBody>
+          <a:bodyPr rtlCol="0" anchor="ctr"/>
+          <a:lstStyle/>
+          <a:p>
+            <a:pPr algn="ctr"/>
+            <a:endParaRPr lang="en-US"/>
+          </a:p>
+        </p:txBody>
+      </p:sp>
+      <p:sp>
+        <p:nvSpPr>
+          <p:cNvPr id="17" name="TextBox 16"/>
+          <p:cNvSpPr txBox="1"/>
+          <p:nvPr/>
+        </p:nvSpPr>
+        <p:spPr>
+          <a:xfrm>
+            <a:off x="6955960" y="1159288"/>
+            <a:ext cx="1739278" cy="584776"/>
+          </a:xfrm>
+          <a:prstGeom prst="rect">
+            <a:avLst/>
+          </a:prstGeom>
+          <a:noFill/>
+        </p:spPr>
+        <p:txBody>
+          <a:bodyPr wrap="none" rtlCol="0">
+            <a:spAutoFit/>
+          </a:bodyPr>
+          <a:lstStyle/>
+          <a:p>
+            <a:r>
+              <a:rPr lang="en-US" sz="1600" dirty="0" smtClean="0">
+                <a:solidFill>
+                  <a:schemeClr val="accent1">
+                    <a:lumMod val="75000"/>
+                  </a:schemeClr>
+                </a:solidFill>
+              </a:rPr>
+              <a:t>Header (persistent</a:t>
+            </a:r>
+            <a:br>
+              <a:rPr lang="en-US" sz="1600" dirty="0" smtClean="0">
+                <a:solidFill>
+                  <a:schemeClr val="accent1">
+                    <a:lumMod val="75000"/>
+                  </a:schemeClr>
+                </a:solidFill>
+              </a:rPr>
+            </a:br>
+            <a:r>
+              <a:rPr lang="en-US" sz="1600" dirty="0" smtClean="0">
+                <a:solidFill>
+                  <a:schemeClr val="accent1">
+                    <a:lumMod val="75000"/>
+                  </a:schemeClr>
+                </a:solidFill>
+              </a:rPr>
+              <a:t>over all views)</a:t>
+            </a:r>
+          </a:p>
+        </p:txBody>
+      </p:sp>
+      <p:sp>
+        <p:nvSpPr>
+          <p:cNvPr id="20" name="Right Brace 19"/>
+          <p:cNvSpPr/>
+          <p:nvPr/>
+        </p:nvSpPr>
+        <p:spPr>
+          <a:xfrm>
+            <a:off x="6955960" y="2306612"/>
+            <a:ext cx="305228" cy="4195577"/>
+          </a:xfrm>
+          <a:prstGeom prst="rightBrace">
+            <a:avLst/>
+          </a:prstGeom>
+        </p:spPr>
+        <p:style>
+          <a:lnRef idx="3">
+            <a:schemeClr val="accent1"/>
+          </a:lnRef>
+          <a:fillRef idx="0">
+            <a:schemeClr val="accent1"/>
+          </a:fillRef>
+          <a:effectRef idx="2">
+            <a:schemeClr val="accent1"/>
+          </a:effectRef>
+          <a:fontRef idx="minor">
+            <a:schemeClr val="tx1"/>
+          </a:fontRef>
+        </p:style>
+        <p:txBody>
+          <a:bodyPr rtlCol="0" anchor="ctr"/>
+          <a:lstStyle/>
+          <a:p>
+            <a:pPr algn="ctr"/>
+            <a:endParaRPr lang="en-US"/>
+          </a:p>
+        </p:txBody>
+      </p:sp>
+      <p:sp>
+        <p:nvSpPr>
+          <p:cNvPr id="21" name="TextBox 20"/>
+          <p:cNvSpPr txBox="1"/>
+          <p:nvPr/>
+        </p:nvSpPr>
+        <p:spPr>
+          <a:xfrm>
+            <a:off x="7398487" y="4147569"/>
+            <a:ext cx="1107996" cy="584776"/>
+          </a:xfrm>
+          <a:prstGeom prst="rect">
+            <a:avLst/>
+          </a:prstGeom>
+          <a:noFill/>
+        </p:spPr>
+        <p:txBody>
+          <a:bodyPr wrap="none" rtlCol="0">
+            <a:spAutoFit/>
+          </a:bodyPr>
+          <a:lstStyle/>
+          <a:p>
+            <a:r>
+              <a:rPr lang="en-US" sz="1600" dirty="0" smtClean="0">
+                <a:solidFill>
+                  <a:schemeClr val="accent1">
+                    <a:lumMod val="75000"/>
+                  </a:schemeClr>
+                </a:solidFill>
+              </a:rPr>
+              <a:t>Alternative</a:t>
+            </a:r>
+            <a:br>
+              <a:rPr lang="en-US" sz="1600" dirty="0" smtClean="0">
+                <a:solidFill>
+                  <a:schemeClr val="accent1">
+                    <a:lumMod val="75000"/>
+                  </a:schemeClr>
+                </a:solidFill>
+              </a:rPr>
+            </a:br>
+            <a:r>
+              <a:rPr lang="en-US" sz="1600" dirty="0" smtClean="0">
+                <a:solidFill>
+                  <a:schemeClr val="accent1">
+                    <a:lumMod val="75000"/>
+                  </a:schemeClr>
+                </a:solidFill>
+              </a:rPr>
+              <a:t>views</a:t>
+            </a:r>
+          </a:p>
+        </p:txBody>
+      </p:sp>
+      <p:sp>
+        <p:nvSpPr>
+          <p:cNvPr id="22" name="TextBox 21"/>
+          <p:cNvSpPr txBox="1"/>
+          <p:nvPr/>
+        </p:nvSpPr>
+        <p:spPr>
+          <a:xfrm rot="18939703">
+            <a:off x="983910" y="3631503"/>
+            <a:ext cx="645930" cy="338554"/>
+          </a:xfrm>
+          <a:prstGeom prst="rect">
+            <a:avLst/>
+          </a:prstGeom>
+          <a:noFill/>
+        </p:spPr>
+        <p:txBody>
+          <a:bodyPr wrap="none" rtlCol="0">
+            <a:spAutoFit/>
+          </a:bodyPr>
+          <a:lstStyle/>
+          <a:p>
+            <a:r>
+              <a:rPr lang="en-US" sz="1600" dirty="0" smtClean="0">
+                <a:solidFill>
+                  <a:schemeClr val="accent1">
+                    <a:lumMod val="75000"/>
+                  </a:schemeClr>
+                </a:solidFill>
+              </a:rPr>
+              <a:t>Panel</a:t>
+            </a:r>
+          </a:p>
+        </p:txBody>
+      </p:sp>
+      <p:sp>
+        <p:nvSpPr>
+          <p:cNvPr id="23" name="TextBox 22"/>
+          <p:cNvSpPr txBox="1"/>
+          <p:nvPr/>
+        </p:nvSpPr>
+        <p:spPr>
+          <a:xfrm rot="18939703">
+            <a:off x="3203553" y="2789214"/>
+            <a:ext cx="645930" cy="338554"/>
+          </a:xfrm>
+          <a:prstGeom prst="rect">
+            <a:avLst/>
+          </a:prstGeom>
+          <a:noFill/>
+        </p:spPr>
+        <p:txBody>
+          <a:bodyPr wrap="none" rtlCol="0">
+            <a:spAutoFit/>
+          </a:bodyPr>
+          <a:lstStyle/>
+          <a:p>
+            <a:r>
+              <a:rPr lang="en-US" sz="1600" dirty="0" smtClean="0">
+                <a:solidFill>
+                  <a:schemeClr val="accent1">
+                    <a:lumMod val="75000"/>
+                  </a:schemeClr>
+                </a:solidFill>
+              </a:rPr>
+              <a:t>Panel</a:t>
+            </a:r>
+          </a:p>
+        </p:txBody>
+      </p:sp>
+      <p:sp>
+        <p:nvSpPr>
+          <p:cNvPr id="24" name="TextBox 23"/>
+          <p:cNvSpPr txBox="1"/>
+          <p:nvPr/>
+        </p:nvSpPr>
+        <p:spPr>
+          <a:xfrm rot="18939703">
+            <a:off x="3203553" y="3892619"/>
+            <a:ext cx="645930" cy="338554"/>
+          </a:xfrm>
+          <a:prstGeom prst="rect">
+            <a:avLst/>
+          </a:prstGeom>
+          <a:noFill/>
+        </p:spPr>
+        <p:txBody>
+          <a:bodyPr wrap="none" rtlCol="0">
+            <a:spAutoFit/>
+          </a:bodyPr>
+          <a:lstStyle/>
+          <a:p>
+            <a:r>
+              <a:rPr lang="en-US" sz="1600" dirty="0" smtClean="0">
+                <a:solidFill>
+                  <a:schemeClr val="accent1">
+                    <a:lumMod val="75000"/>
+                  </a:schemeClr>
+                </a:solidFill>
+              </a:rPr>
+              <a:t>Panel</a:t>
+            </a:r>
+          </a:p>
+        </p:txBody>
+      </p:sp>
+      <p:sp>
+        <p:nvSpPr>
+          <p:cNvPr id="25" name="TextBox 24"/>
+          <p:cNvSpPr txBox="1"/>
+          <p:nvPr/>
+        </p:nvSpPr>
+        <p:spPr>
+          <a:xfrm rot="18939703">
+            <a:off x="3203553" y="5054279"/>
+            <a:ext cx="645930" cy="338554"/>
+          </a:xfrm>
+          <a:prstGeom prst="rect">
+            <a:avLst/>
+          </a:prstGeom>
+          <a:noFill/>
+        </p:spPr>
+        <p:txBody>
+          <a:bodyPr wrap="none" rtlCol="0">
+            <a:spAutoFit/>
+          </a:bodyPr>
+          <a:lstStyle/>
+          <a:p>
+            <a:r>
+              <a:rPr lang="en-US" sz="1600" dirty="0" smtClean="0">
+                <a:solidFill>
+                  <a:schemeClr val="accent1">
+                    <a:lumMod val="75000"/>
+                  </a:schemeClr>
+                </a:solidFill>
+              </a:rPr>
+              <a:t>Panel</a:t>
+            </a:r>
+          </a:p>
+        </p:txBody>
+      </p:sp>
+      <p:sp>
+        <p:nvSpPr>
+          <p:cNvPr id="26" name="TextBox 25"/>
+          <p:cNvSpPr txBox="1"/>
+          <p:nvPr/>
+        </p:nvSpPr>
+        <p:spPr>
+          <a:xfrm rot="18939703">
+            <a:off x="4604685" y="2608784"/>
+            <a:ext cx="1294545" cy="584776"/>
+          </a:xfrm>
+          <a:prstGeom prst="rect">
+            <a:avLst/>
+          </a:prstGeom>
+          <a:noFill/>
+        </p:spPr>
+        <p:txBody>
+          <a:bodyPr wrap="none" rtlCol="0">
+            <a:spAutoFit/>
+          </a:bodyPr>
+          <a:lstStyle/>
+          <a:p>
+            <a:r>
+              <a:rPr lang="en-US" sz="1600" dirty="0" smtClean="0">
+                <a:solidFill>
+                  <a:schemeClr val="accent1">
+                    <a:lumMod val="40000"/>
+                    <a:lumOff val="60000"/>
+                  </a:schemeClr>
+                </a:solidFill>
+              </a:rPr>
+              <a:t>Hidden panel</a:t>
+            </a:r>
+            <a:br>
+              <a:rPr lang="en-US" sz="1600" dirty="0" smtClean="0">
+                <a:solidFill>
+                  <a:schemeClr val="accent1">
+                    <a:lumMod val="40000"/>
+                    <a:lumOff val="60000"/>
+                  </a:schemeClr>
+                </a:solidFill>
+              </a:rPr>
+            </a:br>
+            <a:r>
+              <a:rPr lang="en-US" sz="1600" dirty="0" smtClean="0">
+                <a:solidFill>
+                  <a:schemeClr val="accent1">
+                    <a:lumMod val="40000"/>
+                    <a:lumOff val="60000"/>
+                  </a:schemeClr>
+                </a:solidFill>
+              </a:rPr>
+              <a:t>(other tab)</a:t>
+            </a:r>
+          </a:p>
+        </p:txBody>
+      </p:sp>
+      <p:sp>
+        <p:nvSpPr>
+          <p:cNvPr id="28" name="TextBox 27"/>
+          <p:cNvSpPr txBox="1"/>
+          <p:nvPr/>
+        </p:nvSpPr>
+        <p:spPr>
+          <a:xfrm>
+            <a:off x="2628230" y="5581998"/>
+            <a:ext cx="1453543" cy="338554"/>
+          </a:xfrm>
+          <a:prstGeom prst="rect">
+            <a:avLst/>
+          </a:prstGeom>
+          <a:noFill/>
+        </p:spPr>
+        <p:txBody>
+          <a:bodyPr wrap="none" rtlCol="0">
+            <a:spAutoFit/>
+          </a:bodyPr>
+          <a:lstStyle/>
+          <a:p>
+            <a:r>
+              <a:rPr lang="en-US" sz="1600" dirty="0" smtClean="0">
+                <a:solidFill>
+                  <a:schemeClr val="accent2">
+                    <a:lumMod val="75000"/>
+                  </a:schemeClr>
+                </a:solidFill>
+              </a:rPr>
+              <a:t>Vertical splitter</a:t>
+            </a:r>
+            <a:endParaRPr lang="en-US" sz="1600" dirty="0">
+              <a:solidFill>
+                <a:schemeClr val="accent2">
+                  <a:lumMod val="75000"/>
+                </a:schemeClr>
+              </a:solidFill>
+            </a:endParaRPr>
+          </a:p>
+        </p:txBody>
+      </p:sp>
+      <p:cxnSp>
+        <p:nvCxnSpPr>
+          <p:cNvPr id="30" name="Straight Arrow Connector 29"/>
+          <p:cNvCxnSpPr>
+            <a:stCxn id="28" idx="1"/>
+          </p:cNvCxnSpPr>
+          <p:nvPr/>
+        </p:nvCxnSpPr>
+        <p:spPr>
+          <a:xfrm flipH="1" flipV="1">
+            <a:off x="2356779" y="5570346"/>
+            <a:ext cx="271451" cy="180929"/>
+          </a:xfrm>
+          <a:prstGeom prst="straightConnector1">
+            <a:avLst/>
+          </a:prstGeom>
+          <a:ln>
+            <a:tailEnd type="arrow"/>
+          </a:ln>
+        </p:spPr>
+        <p:style>
+          <a:lnRef idx="3">
+            <a:schemeClr val="accent2"/>
+          </a:lnRef>
+          <a:fillRef idx="0">
+            <a:schemeClr val="accent2"/>
+          </a:fillRef>
+          <a:effectRef idx="2">
+            <a:schemeClr val="accent2"/>
+          </a:effectRef>
+          <a:fontRef idx="minor">
+            <a:schemeClr val="tx1"/>
+          </a:fontRef>
+        </p:style>
+      </p:cxnSp>
+      <p:sp>
+        <p:nvSpPr>
+          <p:cNvPr id="32" name="TextBox 31"/>
+          <p:cNvSpPr txBox="1"/>
+          <p:nvPr/>
+        </p:nvSpPr>
+        <p:spPr>
+          <a:xfrm>
+            <a:off x="4487649" y="3979076"/>
+            <a:ext cx="1682873" cy="338554"/>
+          </a:xfrm>
+          <a:prstGeom prst="rect">
+            <a:avLst/>
+          </a:prstGeom>
+          <a:noFill/>
+        </p:spPr>
+        <p:txBody>
+          <a:bodyPr wrap="none" rtlCol="0">
+            <a:spAutoFit/>
+          </a:bodyPr>
+          <a:lstStyle/>
+          <a:p>
+            <a:r>
+              <a:rPr lang="en-US" sz="1600" dirty="0" smtClean="0">
+                <a:solidFill>
+                  <a:schemeClr val="accent2">
+                    <a:lumMod val="75000"/>
+                  </a:schemeClr>
+                </a:solidFill>
+              </a:rPr>
+              <a:t>Horizontal splitter</a:t>
+            </a:r>
+            <a:endParaRPr lang="en-US" sz="1600" dirty="0">
+              <a:solidFill>
+                <a:schemeClr val="accent2">
+                  <a:lumMod val="75000"/>
+                </a:schemeClr>
+              </a:solidFill>
+            </a:endParaRPr>
+          </a:p>
+        </p:txBody>
+      </p:sp>
+      <p:cxnSp>
+        <p:nvCxnSpPr>
+          <p:cNvPr id="33" name="Straight Arrow Connector 32"/>
+          <p:cNvCxnSpPr>
+            <a:stCxn id="32" idx="1"/>
+          </p:cNvCxnSpPr>
+          <p:nvPr/>
+        </p:nvCxnSpPr>
+        <p:spPr>
+          <a:xfrm flipH="1" flipV="1">
+            <a:off x="4185579" y="3539731"/>
+            <a:ext cx="302070" cy="608622"/>
+          </a:xfrm>
+          <a:prstGeom prst="straightConnector1">
+            <a:avLst/>
+          </a:prstGeom>
+          <a:ln>
+            <a:tailEnd type="arrow"/>
+          </a:ln>
+        </p:spPr>
+        <p:style>
+          <a:lnRef idx="3">
+            <a:schemeClr val="accent2"/>
+          </a:lnRef>
+          <a:fillRef idx="0">
+            <a:schemeClr val="accent2"/>
+          </a:fillRef>
+          <a:effectRef idx="2">
+            <a:schemeClr val="accent2"/>
+          </a:effectRef>
+          <a:fontRef idx="minor">
+            <a:schemeClr val="tx1"/>
+          </a:fontRef>
+        </p:style>
+      </p:cxnSp>
+      <p:cxnSp>
+        <p:nvCxnSpPr>
+          <p:cNvPr id="35" name="Straight Arrow Connector 34"/>
+          <p:cNvCxnSpPr>
+            <a:stCxn id="32" idx="1"/>
+          </p:cNvCxnSpPr>
+          <p:nvPr/>
+        </p:nvCxnSpPr>
+        <p:spPr>
+          <a:xfrm flipH="1">
+            <a:off x="4185579" y="4148353"/>
+            <a:ext cx="302070" cy="584994"/>
+          </a:xfrm>
+          <a:prstGeom prst="straightConnector1">
+            <a:avLst/>
+          </a:prstGeom>
+          <a:ln>
+            <a:tailEnd type="arrow"/>
+          </a:ln>
+        </p:spPr>
+        <p:style>
+          <a:lnRef idx="3">
+            <a:schemeClr val="accent2"/>
+          </a:lnRef>
+          <a:fillRef idx="0">
+            <a:schemeClr val="accent2"/>
+          </a:fillRef>
+          <a:effectRef idx="2">
+            <a:schemeClr val="accent2"/>
+          </a:effectRef>
+          <a:fontRef idx="minor">
+            <a:schemeClr val="tx1"/>
+          </a:fontRef>
+        </p:style>
+      </p:cxnSp>
+      <p:sp>
+        <p:nvSpPr>
+          <p:cNvPr id="40" name="TextBox 39"/>
+          <p:cNvSpPr txBox="1"/>
+          <p:nvPr/>
+        </p:nvSpPr>
+        <p:spPr>
+          <a:xfrm>
+            <a:off x="4607967" y="1846511"/>
+            <a:ext cx="1123124" cy="338554"/>
+          </a:xfrm>
+          <a:prstGeom prst="rect">
+            <a:avLst/>
+          </a:prstGeom>
+          <a:noFill/>
+        </p:spPr>
+        <p:txBody>
+          <a:bodyPr wrap="none" rtlCol="0">
+            <a:spAutoFit/>
+          </a:bodyPr>
+          <a:lstStyle/>
+          <a:p>
+            <a:r>
+              <a:rPr lang="en-US" sz="1600" dirty="0" smtClean="0">
+                <a:solidFill>
+                  <a:schemeClr val="accent2">
+                    <a:lumMod val="75000"/>
+                  </a:schemeClr>
+                </a:solidFill>
+              </a:rPr>
+              <a:t>Tab splitter</a:t>
+            </a:r>
+            <a:endParaRPr lang="en-US" sz="1600" dirty="0">
+              <a:solidFill>
+                <a:schemeClr val="accent2">
+                  <a:lumMod val="75000"/>
+                </a:schemeClr>
+              </a:solidFill>
+            </a:endParaRPr>
+          </a:p>
+        </p:txBody>
+      </p:sp>
+      <p:cxnSp>
+        <p:nvCxnSpPr>
+          <p:cNvPr id="41" name="Straight Arrow Connector 40"/>
+          <p:cNvCxnSpPr>
+            <a:stCxn id="40" idx="1"/>
+          </p:cNvCxnSpPr>
+          <p:nvPr/>
+        </p:nvCxnSpPr>
+        <p:spPr>
+          <a:xfrm flipH="1">
+            <a:off x="4185579" y="2015788"/>
+            <a:ext cx="422388" cy="0"/>
+          </a:xfrm>
+          <a:prstGeom prst="straightConnector1">
+            <a:avLst/>
+          </a:prstGeom>
+          <a:ln>
+            <a:tailEnd type="arrow"/>
+          </a:ln>
+        </p:spPr>
+        <p:style>
+          <a:lnRef idx="3">
+            <a:schemeClr val="accent2"/>
+          </a:lnRef>
+          <a:fillRef idx="0">
+            <a:schemeClr val="accent2"/>
+          </a:fillRef>
+          <a:effectRef idx="2">
+            <a:schemeClr val="accent2"/>
+          </a:effectRef>
+          <a:fontRef idx="minor">
+            <a:schemeClr val="tx1"/>
+          </a:fontRef>
+        </p:style>
+      </p:cxnSp>
+    </p:spTree>
+    <p:extLst>
+      <p:ext uri="{BB962C8B-B14F-4D97-AF65-F5344CB8AC3E}">
+        <p14:creationId xmlns:p14="http://schemas.microsoft.com/office/powerpoint/2010/main" val="156515950"/>
       </p:ext>
     </p:extLst>
   </p:cSld>
